--- a/2021-04-12to04-16 (A5) C53517 SoftMARS/11_13v01_MarsBaseAlpha_TechnologyTest.pptx
+++ b/2021-04-12to04-16 (A5) C53517 SoftMARS/11_13v01_MarsBaseAlpha_TechnologyTest.pptx
@@ -250,7 +250,7 @@
           <a:p>
             <a:fld id="{F319E496-E8FF-4856-B08F-DBE14D18B236}" type="datetimeFigureOut">
               <a:rPr lang="en-US" smtClean="0"/>
-              <a:t>4/16/2022</a:t>
+              <a:t>5/12/2022</a:t>
             </a:fld>
             <a:endParaRPr lang="en-US"/>
           </a:p>
@@ -427,7 +427,7 @@
           <a:p>
             <a:fld id="{4572F63B-EF0F-9942-98B2-F67CC88AF236}" type="datetimeFigureOut">
               <a:rPr lang="en-US" smtClean="0"/>
-              <a:t>4/16/2022</a:t>
+              <a:t>5/12/2022</a:t>
             </a:fld>
             <a:endParaRPr lang="en-US"/>
           </a:p>
@@ -1358,7 +1358,7 @@
               </a14:hiddenLine>
             </a:ext>
             <a:ext uri="{FAA26D3D-D897-4be2-8F04-BA451C77F1D7}">
-              <ma14:placeholderFlag xmlns:ma14="http://schemas.microsoft.com/office/mac/drawingml/2011/main" xmlns="" val="1"/>
+              <ma14:placeholderFlag xmlns="" xmlns:ma14="http://schemas.microsoft.com/office/mac/drawingml/2011/main" val="1"/>
             </a:ext>
           </a:extLst>
         </p:spPr>
@@ -1612,7 +1612,7 @@
               </a14:hiddenLine>
             </a:ext>
             <a:ext uri="{FAA26D3D-D897-4be2-8F04-BA451C77F1D7}">
-              <ma14:placeholderFlag xmlns:ma14="http://schemas.microsoft.com/office/mac/drawingml/2011/main" xmlns="" val="1"/>
+              <ma14:placeholderFlag xmlns="" xmlns:ma14="http://schemas.microsoft.com/office/mac/drawingml/2011/main" val="1"/>
             </a:ext>
           </a:extLst>
         </p:spPr>
@@ -2034,7 +2034,7 @@
               </a14:hiddenLine>
             </a:ext>
             <a:ext uri="{FAA26D3D-D897-4be2-8F04-BA451C77F1D7}">
-              <ma14:placeholderFlag xmlns:ma14="http://schemas.microsoft.com/office/mac/drawingml/2011/main" xmlns="" val="1"/>
+              <ma14:placeholderFlag xmlns="" xmlns:ma14="http://schemas.microsoft.com/office/mac/drawingml/2011/main" val="1"/>
             </a:ext>
           </a:extLst>
         </p:spPr>
@@ -2490,7 +2490,7 @@
               </a14:hiddenLine>
             </a:ext>
             <a:ext uri="{FAA26D3D-D897-4be2-8F04-BA451C77F1D7}">
-              <ma14:placeholderFlag xmlns:ma14="http://schemas.microsoft.com/office/mac/drawingml/2011/main" xmlns="" val="1"/>
+              <ma14:placeholderFlag xmlns="" xmlns:ma14="http://schemas.microsoft.com/office/mac/drawingml/2011/main" val="1"/>
             </a:ext>
           </a:extLst>
         </p:spPr>
@@ -5268,14 +5268,14 @@
           </a:ln>
           <a:extLst>
             <a:ext uri="{909E8E84-426E-40dd-AFC4-6F175D3DCCD1}">
-              <a14:hiddenFill xmlns="" xmlns:a14="http://schemas.microsoft.com/office/drawing/2010/main">
+              <a14:hiddenFill xmlns:a14="http://schemas.microsoft.com/office/drawing/2010/main" xmlns="">
                 <a:solidFill>
                   <a:schemeClr val="accent1"/>
                 </a:solidFill>
               </a14:hiddenFill>
             </a:ext>
             <a:ext uri="{91240B29-F687-4f45-9708-019B960494DF}">
-              <a14:hiddenLine xmlns="" xmlns:a14="http://schemas.microsoft.com/office/drawing/2010/main" w="9525">
+              <a14:hiddenLine xmlns:a14="http://schemas.microsoft.com/office/drawing/2010/main" xmlns="" w="9525">
                 <a:solidFill>
                   <a:schemeClr val="tx1"/>
                 </a:solidFill>
@@ -5759,7 +5759,7 @@
           <p:nvPr>
             <p:extLst>
               <p:ext uri="{D42A27DB-BD31-4B8C-83A1-F6EECF244321}">
-                <p14:modId xmlns:p14="http://schemas.microsoft.com/office/powerpoint/2010/main" val="2352919724"/>
+                <p14:modId xmlns:p14="http://schemas.microsoft.com/office/powerpoint/2010/main" val="1224272190"/>
               </p:ext>
             </p:extLst>
           </p:nvPr>
@@ -5772,7 +5772,7 @@
           <a:graphicData uri="http://schemas.openxmlformats.org/presentationml/2006/ole">
             <mc:AlternateContent xmlns:mc="http://schemas.openxmlformats.org/markup-compatibility/2006">
               <mc:Choice xmlns:v="urn:schemas-microsoft-com:vml" Requires="v">
-                <p:oleObj spid="_x0000_s1041" name="Macro-Enabled Worksheet" r:id="rId3" imgW="5196769" imgH="2918310" progId="Excel.SheetMacroEnabled.12">
+                <p:oleObj spid="_x0000_s1044" name="Macro-Enabled Worksheet" r:id="rId3" imgW="5196769" imgH="2918310" progId="Excel.SheetMacroEnabled.12">
                   <p:link updateAutomatic="1"/>
                 </p:oleObj>
               </mc:Choice>
@@ -5822,7 +5822,7 @@
           <p:nvPr>
             <p:extLst>
               <p:ext uri="{D42A27DB-BD31-4B8C-83A1-F6EECF244321}">
-                <p14:modId xmlns:p14="http://schemas.microsoft.com/office/powerpoint/2010/main" val="1032158841"/>
+                <p14:modId xmlns:p14="http://schemas.microsoft.com/office/powerpoint/2010/main" val="241095620"/>
               </p:ext>
             </p:extLst>
           </p:nvPr>
@@ -5835,7 +5835,7 @@
           <a:graphicData uri="http://schemas.openxmlformats.org/presentationml/2006/ole">
             <mc:AlternateContent xmlns:mc="http://schemas.openxmlformats.org/markup-compatibility/2006">
               <mc:Choice xmlns:v="urn:schemas-microsoft-com:vml" Requires="v">
-                <p:oleObj spid="_x0000_s1042" name="Macro-Enabled Worksheet" r:id="rId5" imgW="5196769" imgH="670734" progId="Excel.SheetMacroEnabled.12">
+                <p:oleObj spid="_x0000_s1045" name="Macro-Enabled Worksheet" r:id="rId5" imgW="5196769" imgH="670734" progId="Excel.SheetMacroEnabled.12">
                   <p:link updateAutomatic="1"/>
                 </p:oleObj>
               </mc:Choice>
@@ -5885,7 +5885,7 @@
           <p:nvPr>
             <p:extLst>
               <p:ext uri="{D42A27DB-BD31-4B8C-83A1-F6EECF244321}">
-                <p14:modId xmlns:p14="http://schemas.microsoft.com/office/powerpoint/2010/main" val="1932470001"/>
+                <p14:modId xmlns:p14="http://schemas.microsoft.com/office/powerpoint/2010/main" val="298881534"/>
               </p:ext>
             </p:extLst>
           </p:nvPr>
@@ -5898,7 +5898,7 @@
           <a:graphicData uri="http://schemas.openxmlformats.org/presentationml/2006/ole">
             <mc:AlternateContent xmlns:mc="http://schemas.openxmlformats.org/markup-compatibility/2006">
               <mc:Choice xmlns:v="urn:schemas-microsoft-com:vml" Requires="v">
-                <p:oleObj spid="_x0000_s1043" name="Macro-Enabled Worksheet" r:id="rId7" imgW="5196769" imgH="304879" progId="Excel.SheetMacroEnabled.12">
+                <p:oleObj spid="_x0000_s1046" name="Macro-Enabled Worksheet" r:id="rId7" imgW="5196769" imgH="304879" progId="Excel.SheetMacroEnabled.12">
                   <p:link updateAutomatic="1"/>
                 </p:oleObj>
               </mc:Choice>
@@ -6552,7 +6552,7 @@
 </file>
 
 <file path=ppt/slides/slide2.xml><?xml version="1.0" encoding="utf-8"?>
-<p:sld xmlns:a="http://schemas.openxmlformats.org/drawingml/2006/main" xmlns:r="http://schemas.openxmlformats.org/officeDocument/2006/relationships" xmlns:p="http://schemas.openxmlformats.org/presentationml/2006/main">
+<p:sld xmlns:a="http://schemas.openxmlformats.org/drawingml/2006/main" xmlns:r="http://schemas.openxmlformats.org/officeDocument/2006/relationships" xmlns:p="http://schemas.openxmlformats.org/presentationml/2006/main" show="0">
   <p:cSld>
     <p:spTree>
       <p:nvGrpSpPr>
@@ -9029,7 +9029,7 @@
           <p:nvPr>
             <p:extLst>
               <p:ext uri="{D42A27DB-BD31-4B8C-83A1-F6EECF244321}">
-                <p14:modId xmlns:p14="http://schemas.microsoft.com/office/powerpoint/2010/main" val="4145092748"/>
+                <p14:modId xmlns:p14="http://schemas.microsoft.com/office/powerpoint/2010/main" val="3153412178"/>
               </p:ext>
             </p:extLst>
           </p:nvPr>
@@ -9042,7 +9042,7 @@
           <a:graphicData uri="http://schemas.openxmlformats.org/presentationml/2006/ole">
             <mc:AlternateContent xmlns:mc="http://schemas.openxmlformats.org/markup-compatibility/2006">
               <mc:Choice xmlns:v="urn:schemas-microsoft-com:vml" Requires="v">
-                <p:oleObj spid="_x0000_s2055" name="Macro-Enabled Worksheet" r:id="rId4" imgW="8244911" imgH="1432718" progId="Excel.SheetMacroEnabled.12">
+                <p:oleObj spid="_x0000_s2056" name="Macro-Enabled Worksheet" r:id="rId4" imgW="8244911" imgH="1432718" progId="Excel.SheetMacroEnabled.12">
                   <p:link updateAutomatic="1"/>
                 </p:oleObj>
               </mc:Choice>
@@ -9122,7 +9122,7 @@
           <p:nvPr>
             <p:extLst>
               <p:ext uri="{D42A27DB-BD31-4B8C-83A1-F6EECF244321}">
-                <p14:modId xmlns:p14="http://schemas.microsoft.com/office/powerpoint/2010/main" val="875368811"/>
+                <p14:modId xmlns:p14="http://schemas.microsoft.com/office/powerpoint/2010/main" val="468176143"/>
               </p:ext>
             </p:extLst>
           </p:nvPr>
@@ -9135,7 +9135,7 @@
           <a:graphicData uri="http://schemas.openxmlformats.org/presentationml/2006/ole">
             <mc:AlternateContent xmlns:mc="http://schemas.openxmlformats.org/markup-compatibility/2006">
               <mc:Choice xmlns:v="urn:schemas-microsoft-com:vml" Requires="v">
-                <p:oleObj spid="_x0000_s3079" name="Macro-Enabled Worksheet" r:id="rId4" imgW="8244911" imgH="1584944" progId="Excel.SheetMacroEnabled.12">
+                <p:oleObj spid="_x0000_s3080" name="Macro-Enabled Worksheet" r:id="rId4" imgW="8244911" imgH="1584944" progId="Excel.SheetMacroEnabled.12">
                   <p:link updateAutomatic="1"/>
                 </p:oleObj>
               </mc:Choice>
@@ -9265,7 +9265,7 @@
           <p:nvPr>
             <p:extLst>
               <p:ext uri="{D42A27DB-BD31-4B8C-83A1-F6EECF244321}">
-                <p14:modId xmlns:p14="http://schemas.microsoft.com/office/powerpoint/2010/main" val="1421048884"/>
+                <p14:modId xmlns:p14="http://schemas.microsoft.com/office/powerpoint/2010/main" val="2400837956"/>
               </p:ext>
             </p:extLst>
           </p:nvPr>
@@ -9278,7 +9278,7 @@
           <a:graphicData uri="http://schemas.openxmlformats.org/presentationml/2006/ole">
             <mc:AlternateContent xmlns:mc="http://schemas.openxmlformats.org/markup-compatibility/2006">
               <mc:Choice xmlns:v="urn:schemas-microsoft-com:vml" Requires="v">
-                <p:oleObj spid="_x0000_s4103" name="Macro-Enabled Worksheet" r:id="rId4" imgW="8244911" imgH="2110701" progId="Excel.SheetMacroEnabled.12">
+                <p:oleObj spid="_x0000_s4104" name="Macro-Enabled Worksheet" r:id="rId4" imgW="8244911" imgH="2110701" progId="Excel.SheetMacroEnabled.12">
                   <p:link updateAutomatic="1"/>
                 </p:oleObj>
               </mc:Choice>
@@ -10477,6 +10477,12 @@
 </file>
 
 <file path=customXml/item1.xml><?xml version="1.0" encoding="utf-8"?>
+<p:properties xmlns:p="http://schemas.microsoft.com/office/2006/metadata/properties" xmlns:xsi="http://www.w3.org/2001/XMLSchema-instance" xmlns:pc="http://schemas.microsoft.com/office/infopath/2007/PartnerControls">
+  <documentManagement/>
+</p:properties>
+</file>
+
+<file path=customXml/item2.xml><?xml version="1.0" encoding="utf-8"?>
 <ct:contentTypeSchema xmlns:ct="http://schemas.microsoft.com/office/2006/metadata/contentType" xmlns:ma="http://schemas.microsoft.com/office/2006/metadata/properties/metaAttributes" ct:_="" ma:_="" ma:contentTypeName="Document" ma:contentTypeID="0x0101001F513751AC33344AB32CFD2920EFE649" ma:contentTypeVersion="11" ma:contentTypeDescription="Create a new document." ma:contentTypeScope="" ma:versionID="683516f7d70434a0e4dbd6c476be8d5b">
   <xsd:schema xmlns:xsd="http://www.w3.org/2001/XMLSchema" xmlns:xs="http://www.w3.org/2001/XMLSchema" xmlns:p="http://schemas.microsoft.com/office/2006/metadata/properties" xmlns:ns2="72e3a154-4955-46c3-9573-e9dec3e1f195" xmlns:ns3="ec500478-62e0-46fc-87f1-cfa988e486b4" targetNamespace="http://schemas.microsoft.com/office/2006/metadata/properties" ma:root="true" ma:fieldsID="cf4a15c6a1eec5dbba94230cc6a50510" ns2:_="" ns3:_="">
     <xsd:import namespace="72e3a154-4955-46c3-9573-e9dec3e1f195"/>
@@ -10687,12 +10693,6 @@
 </ct:contentTypeSchema>
 </file>
 
-<file path=customXml/item2.xml><?xml version="1.0" encoding="utf-8"?>
-<p:properties xmlns:p="http://schemas.microsoft.com/office/2006/metadata/properties" xmlns:xsi="http://www.w3.org/2001/XMLSchema-instance" xmlns:pc="http://schemas.microsoft.com/office/infopath/2007/PartnerControls">
-  <documentManagement/>
-</p:properties>
-</file>
-
 <file path=customXml/item3.xml><?xml version="1.0" encoding="utf-8"?>
 <?mso-contentType ?>
 <FormTemplates xmlns="http://schemas.microsoft.com/sharepoint/v3/contenttype/forms">
@@ -10703,6 +10703,23 @@
 </file>
 
 <file path=customXml/itemProps1.xml><?xml version="1.0" encoding="utf-8"?>
+<ds:datastoreItem xmlns:ds="http://schemas.openxmlformats.org/officeDocument/2006/customXml" ds:itemID="{5F07B0D7-F930-4230-933E-ABA84959494E}">
+  <ds:schemaRefs>
+    <ds:schemaRef ds:uri="http://schemas.microsoft.com/office/infopath/2007/PartnerControls"/>
+    <ds:schemaRef ds:uri="http://schemas.openxmlformats.org/package/2006/metadata/core-properties"/>
+    <ds:schemaRef ds:uri="http://www.w3.org/XML/1998/namespace"/>
+    <ds:schemaRef ds:uri="ec500478-62e0-46fc-87f1-cfa988e486b4"/>
+    <ds:schemaRef ds:uri="72e3a154-4955-46c3-9573-e9dec3e1f195"/>
+    <ds:schemaRef ds:uri="http://purl.org/dc/terms/"/>
+    <ds:schemaRef ds:uri="http://schemas.microsoft.com/office/2006/documentManagement/types"/>
+    <ds:schemaRef ds:uri="http://schemas.microsoft.com/office/2006/metadata/properties"/>
+    <ds:schemaRef ds:uri="http://purl.org/dc/dcmitype/"/>
+    <ds:schemaRef ds:uri="http://purl.org/dc/elements/1.1/"/>
+  </ds:schemaRefs>
+</ds:datastoreItem>
+</file>
+
+<file path=customXml/itemProps2.xml><?xml version="1.0" encoding="utf-8"?>
 <ds:datastoreItem xmlns:ds="http://schemas.openxmlformats.org/officeDocument/2006/customXml" ds:itemID="{25EC7A36-1D41-49F4-BCB2-B864FE70D8E3}">
   <ds:schemaRefs>
     <ds:schemaRef ds:uri="http://schemas.microsoft.com/office/2006/metadata/contentType"/>
@@ -10721,23 +10738,6 @@
 </ds:datastoreItem>
 </file>
 
-<file path=customXml/itemProps2.xml><?xml version="1.0" encoding="utf-8"?>
-<ds:datastoreItem xmlns:ds="http://schemas.openxmlformats.org/officeDocument/2006/customXml" ds:itemID="{5F07B0D7-F930-4230-933E-ABA84959494E}">
-  <ds:schemaRefs>
-    <ds:schemaRef ds:uri="http://schemas.microsoft.com/office/infopath/2007/PartnerControls"/>
-    <ds:schemaRef ds:uri="http://schemas.openxmlformats.org/package/2006/metadata/core-properties"/>
-    <ds:schemaRef ds:uri="http://www.w3.org/XML/1998/namespace"/>
-    <ds:schemaRef ds:uri="ec500478-62e0-46fc-87f1-cfa988e486b4"/>
-    <ds:schemaRef ds:uri="72e3a154-4955-46c3-9573-e9dec3e1f195"/>
-    <ds:schemaRef ds:uri="http://purl.org/dc/terms/"/>
-    <ds:schemaRef ds:uri="http://schemas.microsoft.com/office/2006/documentManagement/types"/>
-    <ds:schemaRef ds:uri="http://schemas.microsoft.com/office/2006/metadata/properties"/>
-    <ds:schemaRef ds:uri="http://purl.org/dc/dcmitype/"/>
-    <ds:schemaRef ds:uri="http://purl.org/dc/elements/1.1/"/>
-  </ds:schemaRefs>
-</ds:datastoreItem>
-</file>
-
 <file path=customXml/itemProps3.xml><?xml version="1.0" encoding="utf-8"?>
 <ds:datastoreItem xmlns:ds="http://schemas.openxmlformats.org/officeDocument/2006/customXml" ds:itemID="{B8B49826-D5EE-4D24-B649-7C3A19B527D2}">
   <ds:schemaRefs>
